--- a/Slides/Ziyang Wei/Detecting Backdoor Attacks via Similarity in Semantic Communication Systems.pptx
+++ b/Slides/Ziyang Wei/Detecting Backdoor Attacks via Similarity in Semantic Communication Systems.pptx
@@ -6304,266 +6304,7 @@
   <p:timing>
     <p:tnLst>
       <p:par>
-        <p:cTn id="1" dur="indefinite" restart="never" nodeType="tmRoot">
-          <p:childTnLst>
-            <p:seq concurrent="1" nextAc="seek">
-              <p:cTn id="2" dur="indefinite" nodeType="mainSeq">
-                <p:childTnLst>
-                  <p:par>
-                    <p:cTn id="3" fill="hold">
-                      <p:stCondLst>
-                        <p:cond delay="indefinite"/>
-                        <p:cond evt="onBegin" delay="0">
-                          <p:tn val="2"/>
-                        </p:cond>
-                      </p:stCondLst>
-                      <p:childTnLst>
-                        <p:par>
-                          <p:cTn id="4" fill="hold">
-                            <p:stCondLst>
-                              <p:cond delay="0"/>
-                            </p:stCondLst>
-                            <p:childTnLst>
-                              <p:par>
-                                <p:cTn id="5" presetID="3" presetClass="entr" presetSubtype="10" fill="hold" nodeType="withEffect">
-                                  <p:stCondLst>
-                                    <p:cond delay="0"/>
-                                  </p:stCondLst>
-                                  <p:childTnLst>
-                                    <p:set>
-                                      <p:cBhvr>
-                                        <p:cTn id="6" dur="1" fill="hold">
-                                          <p:stCondLst>
-                                            <p:cond delay="0"/>
-                                          </p:stCondLst>
-                                        </p:cTn>
-                                        <p:tgtEl>
-                                          <p:spTgt spid="5">
-                                            <p:txEl>
-                                              <p:pRg st="0" end="0"/>
-                                            </p:txEl>
-                                          </p:spTgt>
-                                        </p:tgtEl>
-                                        <p:attrNameLst>
-                                          <p:attrName>style.visibility</p:attrName>
-                                        </p:attrNameLst>
-                                      </p:cBhvr>
-                                      <p:to>
-                                        <p:strVal val="visible"/>
-                                      </p:to>
-                                    </p:set>
-                                    <p:animEffect transition="in" filter="blinds(horizontal)">
-                                      <p:cBhvr>
-                                        <p:cTn id="7" dur="500"/>
-                                        <p:tgtEl>
-                                          <p:spTgt spid="5">
-                                            <p:txEl>
-                                              <p:pRg st="0" end="0"/>
-                                            </p:txEl>
-                                          </p:spTgt>
-                                        </p:tgtEl>
-                                      </p:cBhvr>
-                                    </p:animEffect>
-                                  </p:childTnLst>
-                                </p:cTn>
-                              </p:par>
-                              <p:par>
-                                <p:cTn id="8" presetID="3" presetClass="entr" presetSubtype="10" fill="hold" nodeType="withEffect">
-                                  <p:stCondLst>
-                                    <p:cond delay="0"/>
-                                  </p:stCondLst>
-                                  <p:childTnLst>
-                                    <p:set>
-                                      <p:cBhvr>
-                                        <p:cTn id="9" dur="1" fill="hold">
-                                          <p:stCondLst>
-                                            <p:cond delay="0"/>
-                                          </p:stCondLst>
-                                        </p:cTn>
-                                        <p:tgtEl>
-                                          <p:spTgt spid="5">
-                                            <p:txEl>
-                                              <p:pRg st="1" end="1"/>
-                                            </p:txEl>
-                                          </p:spTgt>
-                                        </p:tgtEl>
-                                        <p:attrNameLst>
-                                          <p:attrName>style.visibility</p:attrName>
-                                        </p:attrNameLst>
-                                      </p:cBhvr>
-                                      <p:to>
-                                        <p:strVal val="visible"/>
-                                      </p:to>
-                                    </p:set>
-                                    <p:animEffect transition="in" filter="blinds(horizontal)">
-                                      <p:cBhvr>
-                                        <p:cTn id="10" dur="500"/>
-                                        <p:tgtEl>
-                                          <p:spTgt spid="5">
-                                            <p:txEl>
-                                              <p:pRg st="1" end="1"/>
-                                            </p:txEl>
-                                          </p:spTgt>
-                                        </p:tgtEl>
-                                      </p:cBhvr>
-                                    </p:animEffect>
-                                  </p:childTnLst>
-                                </p:cTn>
-                              </p:par>
-                              <p:par>
-                                <p:cTn id="11" presetID="3" presetClass="entr" presetSubtype="10" fill="hold" nodeType="withEffect">
-                                  <p:stCondLst>
-                                    <p:cond delay="0"/>
-                                  </p:stCondLst>
-                                  <p:childTnLst>
-                                    <p:set>
-                                      <p:cBhvr>
-                                        <p:cTn id="12" dur="1" fill="hold">
-                                          <p:stCondLst>
-                                            <p:cond delay="0"/>
-                                          </p:stCondLst>
-                                        </p:cTn>
-                                        <p:tgtEl>
-                                          <p:spTgt spid="5">
-                                            <p:txEl>
-                                              <p:pRg st="2" end="2"/>
-                                            </p:txEl>
-                                          </p:spTgt>
-                                        </p:tgtEl>
-                                        <p:attrNameLst>
-                                          <p:attrName>style.visibility</p:attrName>
-                                        </p:attrNameLst>
-                                      </p:cBhvr>
-                                      <p:to>
-                                        <p:strVal val="visible"/>
-                                      </p:to>
-                                    </p:set>
-                                    <p:animEffect transition="in" filter="blinds(horizontal)">
-                                      <p:cBhvr>
-                                        <p:cTn id="13" dur="500"/>
-                                        <p:tgtEl>
-                                          <p:spTgt spid="5">
-                                            <p:txEl>
-                                              <p:pRg st="2" end="2"/>
-                                            </p:txEl>
-                                          </p:spTgt>
-                                        </p:tgtEl>
-                                      </p:cBhvr>
-                                    </p:animEffect>
-                                  </p:childTnLst>
-                                </p:cTn>
-                              </p:par>
-                              <p:par>
-                                <p:cTn id="14" presetID="3" presetClass="entr" presetSubtype="10" fill="hold" nodeType="withEffect">
-                                  <p:stCondLst>
-                                    <p:cond delay="0"/>
-                                  </p:stCondLst>
-                                  <p:childTnLst>
-                                    <p:set>
-                                      <p:cBhvr>
-                                        <p:cTn id="15" dur="1" fill="hold">
-                                          <p:stCondLst>
-                                            <p:cond delay="0"/>
-                                          </p:stCondLst>
-                                        </p:cTn>
-                                        <p:tgtEl>
-                                          <p:spTgt spid="5">
-                                            <p:txEl>
-                                              <p:pRg st="3" end="3"/>
-                                            </p:txEl>
-                                          </p:spTgt>
-                                        </p:tgtEl>
-                                        <p:attrNameLst>
-                                          <p:attrName>style.visibility</p:attrName>
-                                        </p:attrNameLst>
-                                      </p:cBhvr>
-                                      <p:to>
-                                        <p:strVal val="visible"/>
-                                      </p:to>
-                                    </p:set>
-                                    <p:animEffect transition="in" filter="blinds(horizontal)">
-                                      <p:cBhvr>
-                                        <p:cTn id="16" dur="500"/>
-                                        <p:tgtEl>
-                                          <p:spTgt spid="5">
-                                            <p:txEl>
-                                              <p:pRg st="3" end="3"/>
-                                            </p:txEl>
-                                          </p:spTgt>
-                                        </p:tgtEl>
-                                      </p:cBhvr>
-                                    </p:animEffect>
-                                  </p:childTnLst>
-                                </p:cTn>
-                              </p:par>
-                              <p:par>
-                                <p:cTn id="17" presetID="3" presetClass="entr" presetSubtype="10" fill="hold" nodeType="withEffect">
-                                  <p:stCondLst>
-                                    <p:cond delay="0"/>
-                                  </p:stCondLst>
-                                  <p:childTnLst>
-                                    <p:set>
-                                      <p:cBhvr>
-                                        <p:cTn id="18" dur="1" fill="hold">
-                                          <p:stCondLst>
-                                            <p:cond delay="0"/>
-                                          </p:stCondLst>
-                                        </p:cTn>
-                                        <p:tgtEl>
-                                          <p:spTgt spid="5">
-                                            <p:txEl>
-                                              <p:pRg st="4" end="4"/>
-                                            </p:txEl>
-                                          </p:spTgt>
-                                        </p:tgtEl>
-                                        <p:attrNameLst>
-                                          <p:attrName>style.visibility</p:attrName>
-                                        </p:attrNameLst>
-                                      </p:cBhvr>
-                                      <p:to>
-                                        <p:strVal val="visible"/>
-                                      </p:to>
-                                    </p:set>
-                                    <p:animEffect transition="in" filter="blinds(horizontal)">
-                                      <p:cBhvr>
-                                        <p:cTn id="19" dur="500"/>
-                                        <p:tgtEl>
-                                          <p:spTgt spid="5">
-                                            <p:txEl>
-                                              <p:pRg st="4" end="4"/>
-                                            </p:txEl>
-                                          </p:spTgt>
-                                        </p:tgtEl>
-                                      </p:cBhvr>
-                                    </p:animEffect>
-                                  </p:childTnLst>
-                                </p:cTn>
-                              </p:par>
-                            </p:childTnLst>
-                          </p:cTn>
-                        </p:par>
-                      </p:childTnLst>
-                    </p:cTn>
-                  </p:par>
-                </p:childTnLst>
-              </p:cTn>
-              <p:prevCondLst>
-                <p:cond evt="onPrev" delay="0">
-                  <p:tgtEl>
-                    <p:sldTgt/>
-                  </p:tgtEl>
-                </p:cond>
-              </p:prevCondLst>
-              <p:nextCondLst>
-                <p:cond evt="onNext" delay="0">
-                  <p:tgtEl>
-                    <p:sldTgt/>
-                  </p:tgtEl>
-                </p:cond>
-              </p:nextCondLst>
-            </p:seq>
-          </p:childTnLst>
-        </p:cTn>
+        <p:cTn id="1" dur="indefinite" restart="never" nodeType="tmRoot"/>
       </p:par>
     </p:tnLst>
   </p:timing>
@@ -8561,274 +8302,7 @@
   <p:timing>
     <p:tnLst>
       <p:par>
-        <p:cTn id="1" dur="indefinite" restart="never" nodeType="tmRoot">
-          <p:childTnLst>
-            <p:seq concurrent="1" nextAc="seek">
-              <p:cTn id="2" dur="indefinite" nodeType="mainSeq">
-                <p:childTnLst>
-                  <p:par>
-                    <p:cTn id="3" fill="hold">
-                      <p:stCondLst>
-                        <p:cond delay="indefinite"/>
-                      </p:stCondLst>
-                      <p:childTnLst>
-                        <p:par>
-                          <p:cTn id="4" fill="hold">
-                            <p:stCondLst>
-                              <p:cond delay="0"/>
-                            </p:stCondLst>
-                            <p:childTnLst>
-                              <p:par>
-                                <p:cTn id="5" presetID="3" presetClass="entr" presetSubtype="10" fill="hold" nodeType="clickEffect">
-                                  <p:stCondLst>
-                                    <p:cond delay="0"/>
-                                  </p:stCondLst>
-                                  <p:childTnLst>
-                                    <p:set>
-                                      <p:cBhvr>
-                                        <p:cTn id="6" dur="1" fill="hold">
-                                          <p:stCondLst>
-                                            <p:cond delay="0"/>
-                                          </p:stCondLst>
-                                        </p:cTn>
-                                        <p:tgtEl>
-                                          <p:spTgt spid="3">
-                                            <p:txEl>
-                                              <p:pRg st="3" end="3"/>
-                                            </p:txEl>
-                                          </p:spTgt>
-                                        </p:tgtEl>
-                                        <p:attrNameLst>
-                                          <p:attrName>style.visibility</p:attrName>
-                                        </p:attrNameLst>
-                                      </p:cBhvr>
-                                      <p:to>
-                                        <p:strVal val="visible"/>
-                                      </p:to>
-                                    </p:set>
-                                    <p:animEffect transition="in" filter="blinds(horizontal)">
-                                      <p:cBhvr>
-                                        <p:cTn id="7" dur="500"/>
-                                        <p:tgtEl>
-                                          <p:spTgt spid="3">
-                                            <p:txEl>
-                                              <p:pRg st="3" end="3"/>
-                                            </p:txEl>
-                                          </p:spTgt>
-                                        </p:tgtEl>
-                                      </p:cBhvr>
-                                    </p:animEffect>
-                                  </p:childTnLst>
-                                </p:cTn>
-                              </p:par>
-                            </p:childTnLst>
-                          </p:cTn>
-                        </p:par>
-                      </p:childTnLst>
-                    </p:cTn>
-                  </p:par>
-                  <p:par>
-                    <p:cTn id="8" fill="hold">
-                      <p:stCondLst>
-                        <p:cond delay="indefinite"/>
-                      </p:stCondLst>
-                      <p:childTnLst>
-                        <p:par>
-                          <p:cTn id="9" fill="hold">
-                            <p:stCondLst>
-                              <p:cond delay="0"/>
-                            </p:stCondLst>
-                            <p:childTnLst>
-                              <p:par>
-                                <p:cTn id="10" presetID="3" presetClass="entr" presetSubtype="10" fill="hold" nodeType="clickEffect">
-                                  <p:stCondLst>
-                                    <p:cond delay="0"/>
-                                  </p:stCondLst>
-                                  <p:childTnLst>
-                                    <p:set>
-                                      <p:cBhvr>
-                                        <p:cTn id="11" dur="1" fill="hold">
-                                          <p:stCondLst>
-                                            <p:cond delay="0"/>
-                                          </p:stCondLst>
-                                        </p:cTn>
-                                        <p:tgtEl>
-                                          <p:spTgt spid="3">
-                                            <p:txEl>
-                                              <p:pRg st="4" end="4"/>
-                                            </p:txEl>
-                                          </p:spTgt>
-                                        </p:tgtEl>
-                                        <p:attrNameLst>
-                                          <p:attrName>style.visibility</p:attrName>
-                                        </p:attrNameLst>
-                                      </p:cBhvr>
-                                      <p:to>
-                                        <p:strVal val="visible"/>
-                                      </p:to>
-                                    </p:set>
-                                    <p:animEffect transition="in" filter="blinds(horizontal)">
-                                      <p:cBhvr>
-                                        <p:cTn id="12" dur="500"/>
-                                        <p:tgtEl>
-                                          <p:spTgt spid="3">
-                                            <p:txEl>
-                                              <p:pRg st="4" end="4"/>
-                                            </p:txEl>
-                                          </p:spTgt>
-                                        </p:tgtEl>
-                                      </p:cBhvr>
-                                    </p:animEffect>
-                                  </p:childTnLst>
-                                </p:cTn>
-                              </p:par>
-                            </p:childTnLst>
-                          </p:cTn>
-                        </p:par>
-                      </p:childTnLst>
-                    </p:cTn>
-                  </p:par>
-                  <p:par>
-                    <p:cTn id="13" fill="hold">
-                      <p:stCondLst>
-                        <p:cond delay="indefinite"/>
-                      </p:stCondLst>
-                      <p:childTnLst>
-                        <p:par>
-                          <p:cTn id="14" fill="hold">
-                            <p:stCondLst>
-                              <p:cond delay="0"/>
-                            </p:stCondLst>
-                            <p:childTnLst>
-                              <p:par>
-                                <p:cTn id="15" presetID="3" presetClass="entr" presetSubtype="10" fill="hold" nodeType="clickEffect">
-                                  <p:stCondLst>
-                                    <p:cond delay="0"/>
-                                  </p:stCondLst>
-                                  <p:childTnLst>
-                                    <p:set>
-                                      <p:cBhvr>
-                                        <p:cTn id="16" dur="1" fill="hold">
-                                          <p:stCondLst>
-                                            <p:cond delay="0"/>
-                                          </p:stCondLst>
-                                        </p:cTn>
-                                        <p:tgtEl>
-                                          <p:spTgt spid="3">
-                                            <p:txEl>
-                                              <p:pRg st="0" end="0"/>
-                                            </p:txEl>
-                                          </p:spTgt>
-                                        </p:tgtEl>
-                                        <p:attrNameLst>
-                                          <p:attrName>style.visibility</p:attrName>
-                                        </p:attrNameLst>
-                                      </p:cBhvr>
-                                      <p:to>
-                                        <p:strVal val="visible"/>
-                                      </p:to>
-                                    </p:set>
-                                    <p:animEffect transition="in" filter="blinds(horizontal)">
-                                      <p:cBhvr>
-                                        <p:cTn id="17" dur="500"/>
-                                        <p:tgtEl>
-                                          <p:spTgt spid="3">
-                                            <p:txEl>
-                                              <p:pRg st="0" end="0"/>
-                                            </p:txEl>
-                                          </p:spTgt>
-                                        </p:tgtEl>
-                                      </p:cBhvr>
-                                    </p:animEffect>
-                                  </p:childTnLst>
-                                </p:cTn>
-                              </p:par>
-                            </p:childTnLst>
-                          </p:cTn>
-                        </p:par>
-                      </p:childTnLst>
-                    </p:cTn>
-                  </p:par>
-                  <p:par>
-                    <p:cTn id="18" fill="hold">
-                      <p:stCondLst>
-                        <p:cond delay="indefinite"/>
-                      </p:stCondLst>
-                      <p:childTnLst>
-                        <p:par>
-                          <p:cTn id="19" fill="hold">
-                            <p:stCondLst>
-                              <p:cond delay="0"/>
-                            </p:stCondLst>
-                            <p:childTnLst>
-                              <p:par>
-                                <p:cTn id="20" presetID="3" presetClass="entr" presetSubtype="10" fill="hold" nodeType="clickEffect">
-                                  <p:stCondLst>
-                                    <p:cond delay="0"/>
-                                  </p:stCondLst>
-                                  <p:childTnLst>
-                                    <p:set>
-                                      <p:cBhvr>
-                                        <p:cTn id="21" dur="1" fill="hold">
-                                          <p:stCondLst>
-                                            <p:cond delay="0"/>
-                                          </p:stCondLst>
-                                        </p:cTn>
-                                        <p:tgtEl>
-                                          <p:spTgt spid="3">
-                                            <p:txEl>
-                                              <p:pRg st="1" end="1"/>
-                                            </p:txEl>
-                                          </p:spTgt>
-                                        </p:tgtEl>
-                                        <p:attrNameLst>
-                                          <p:attrName>style.visibility</p:attrName>
-                                        </p:attrNameLst>
-                                      </p:cBhvr>
-                                      <p:to>
-                                        <p:strVal val="visible"/>
-                                      </p:to>
-                                    </p:set>
-                                    <p:animEffect transition="in" filter="blinds(horizontal)">
-                                      <p:cBhvr>
-                                        <p:cTn id="22" dur="500"/>
-                                        <p:tgtEl>
-                                          <p:spTgt spid="3">
-                                            <p:txEl>
-                                              <p:pRg st="1" end="1"/>
-                                            </p:txEl>
-                                          </p:spTgt>
-                                        </p:tgtEl>
-                                      </p:cBhvr>
-                                    </p:animEffect>
-                                  </p:childTnLst>
-                                </p:cTn>
-                              </p:par>
-                            </p:childTnLst>
-                          </p:cTn>
-                        </p:par>
-                      </p:childTnLst>
-                    </p:cTn>
-                  </p:par>
-                </p:childTnLst>
-              </p:cTn>
-              <p:prevCondLst>
-                <p:cond evt="onPrev" delay="0">
-                  <p:tgtEl>
-                    <p:sldTgt/>
-                  </p:tgtEl>
-                </p:cond>
-              </p:prevCondLst>
-              <p:nextCondLst>
-                <p:cond evt="onNext" delay="0">
-                  <p:tgtEl>
-                    <p:sldTgt/>
-                  </p:tgtEl>
-                </p:cond>
-              </p:nextCondLst>
-            </p:seq>
-          </p:childTnLst>
-        </p:cTn>
+        <p:cTn id="1" dur="indefinite" restart="never" nodeType="tmRoot"/>
       </p:par>
     </p:tnLst>
   </p:timing>
@@ -14460,7 +13934,7 @@
             <a:pPr lvl="1"/>
             <a:r>
               <a:rPr lang="en-US" altLang="zh-CN"/>
-              <a:t>Decoder reconstructs the original informationn.</a:t>
+              <a:t>Decoder reconstructs the original information.</a:t>
             </a:r>
             <a:endParaRPr lang="en-US" altLang="zh-CN"/>
           </a:p>
@@ -16845,7 +16319,7 @@
                             </p:stCondLst>
                             <p:childTnLst>
                               <p:par>
-                                <p:cTn id="5" presetID="3" presetClass="entr" presetSubtype="10" fill="hold" nodeType="clickEffect">
+                                <p:cTn id="5" presetID="3" presetClass="entr" presetSubtype="10" fill="hold" grpId="0" nodeType="clickEffect">
                                   <p:stCondLst>
                                     <p:cond delay="0"/>
                                   </p:stCondLst>
@@ -16858,7 +16332,7 @@
                                           </p:stCondLst>
                                         </p:cTn>
                                         <p:tgtEl>
-                                          <p:spTgt spid="9"/>
+                                          <p:spTgt spid="7"/>
                                         </p:tgtEl>
                                         <p:attrNameLst>
                                           <p:attrName>style.visibility</p:attrName>
@@ -16872,7 +16346,7 @@
                                       <p:cBhvr>
                                         <p:cTn id="7" dur="500"/>
                                         <p:tgtEl>
-                                          <p:spTgt spid="9"/>
+                                          <p:spTgt spid="7"/>
                                         </p:tgtEl>
                                       </p:cBhvr>
                                     </p:animEffect>
@@ -16893,7 +16367,7 @@
                                           </p:stCondLst>
                                         </p:cTn>
                                         <p:tgtEl>
-                                          <p:spTgt spid="14"/>
+                                          <p:spTgt spid="8"/>
                                         </p:tgtEl>
                                         <p:attrNameLst>
                                           <p:attrName>style.visibility</p:attrName>
@@ -16907,7 +16381,7 @@
                                       <p:cBhvr>
                                         <p:cTn id="10" dur="500"/>
                                         <p:tgtEl>
-                                          <p:spTgt spid="14"/>
+                                          <p:spTgt spid="8"/>
                                         </p:tgtEl>
                                       </p:cBhvr>
                                     </p:animEffect>
@@ -16915,7 +16389,7 @@
                                 </p:cTn>
                               </p:par>
                               <p:par>
-                                <p:cTn id="11" presetID="3" presetClass="entr" presetSubtype="10" fill="hold" grpId="0" nodeType="withEffect">
+                                <p:cTn id="11" presetID="3" presetClass="entr" presetSubtype="10" fill="hold" nodeType="withEffect">
                                   <p:stCondLst>
                                     <p:cond delay="0"/>
                                   </p:stCondLst>
@@ -16923,6 +16397,76 @@
                                     <p:set>
                                       <p:cBhvr>
                                         <p:cTn id="12" dur="1" fill="hold">
+                                          <p:stCondLst>
+                                            <p:cond delay="0"/>
+                                          </p:stCondLst>
+                                        </p:cTn>
+                                        <p:tgtEl>
+                                          <p:spTgt spid="9"/>
+                                        </p:tgtEl>
+                                        <p:attrNameLst>
+                                          <p:attrName>style.visibility</p:attrName>
+                                        </p:attrNameLst>
+                                      </p:cBhvr>
+                                      <p:to>
+                                        <p:strVal val="visible"/>
+                                      </p:to>
+                                    </p:set>
+                                    <p:animEffect transition="in" filter="blinds(horizontal)">
+                                      <p:cBhvr>
+                                        <p:cTn id="13" dur="500"/>
+                                        <p:tgtEl>
+                                          <p:spTgt spid="9"/>
+                                        </p:tgtEl>
+                                      </p:cBhvr>
+                                    </p:animEffect>
+                                  </p:childTnLst>
+                                </p:cTn>
+                              </p:par>
+                              <p:par>
+                                <p:cTn id="14" presetID="3" presetClass="entr" presetSubtype="10" fill="hold" nodeType="withEffect">
+                                  <p:stCondLst>
+                                    <p:cond delay="0"/>
+                                  </p:stCondLst>
+                                  <p:childTnLst>
+                                    <p:set>
+                                      <p:cBhvr>
+                                        <p:cTn id="15" dur="1" fill="hold">
+                                          <p:stCondLst>
+                                            <p:cond delay="0"/>
+                                          </p:stCondLst>
+                                        </p:cTn>
+                                        <p:tgtEl>
+                                          <p:spTgt spid="10"/>
+                                        </p:tgtEl>
+                                        <p:attrNameLst>
+                                          <p:attrName>style.visibility</p:attrName>
+                                        </p:attrNameLst>
+                                      </p:cBhvr>
+                                      <p:to>
+                                        <p:strVal val="visible"/>
+                                      </p:to>
+                                    </p:set>
+                                    <p:animEffect transition="in" filter="blinds(horizontal)">
+                                      <p:cBhvr>
+                                        <p:cTn id="16" dur="500"/>
+                                        <p:tgtEl>
+                                          <p:spTgt spid="10"/>
+                                        </p:tgtEl>
+                                      </p:cBhvr>
+                                    </p:animEffect>
+                                  </p:childTnLst>
+                                </p:cTn>
+                              </p:par>
+                              <p:par>
+                                <p:cTn id="17" presetID="3" presetClass="entr" presetSubtype="10" fill="hold" grpId="0" nodeType="withEffect">
+                                  <p:stCondLst>
+                                    <p:cond delay="0"/>
+                                  </p:stCondLst>
+                                  <p:childTnLst>
+                                    <p:set>
+                                      <p:cBhvr>
+                                        <p:cTn id="18" dur="1" fill="hold">
                                           <p:stCondLst>
                                             <p:cond delay="0"/>
                                           </p:stCondLst>
@@ -16940,7 +16484,7 @@
                                     </p:set>
                                     <p:animEffect transition="in" filter="blinds(horizontal)">
                                       <p:cBhvr>
-                                        <p:cTn id="13" dur="500"/>
+                                        <p:cTn id="19" dur="500"/>
                                         <p:tgtEl>
                                           <p:spTgt spid="11"/>
                                         </p:tgtEl>
@@ -16950,20 +16494,20 @@
                                 </p:cTn>
                               </p:par>
                               <p:par>
-                                <p:cTn id="14" presetID="3" presetClass="entr" presetSubtype="10" fill="hold" grpId="0" nodeType="withEffect">
+                                <p:cTn id="20" presetID="3" presetClass="entr" presetSubtype="10" fill="hold" grpId="0" nodeType="withEffect">
                                   <p:stCondLst>
                                     <p:cond delay="0"/>
                                   </p:stCondLst>
                                   <p:childTnLst>
                                     <p:set>
                                       <p:cBhvr>
-                                        <p:cTn id="15" dur="1" fill="hold">
+                                        <p:cTn id="21" dur="1" fill="hold">
                                           <p:stCondLst>
                                             <p:cond delay="0"/>
                                           </p:stCondLst>
                                         </p:cTn>
                                         <p:tgtEl>
-                                          <p:spTgt spid="7"/>
+                                          <p:spTgt spid="14"/>
                                         </p:tgtEl>
                                         <p:attrNameLst>
                                           <p:attrName>style.visibility</p:attrName>
@@ -16975,48 +16519,30 @@
                                     </p:set>
                                     <p:animEffect transition="in" filter="blinds(horizontal)">
                                       <p:cBhvr>
-                                        <p:cTn id="16" dur="500"/>
+                                        <p:cTn id="22" dur="500"/>
                                         <p:tgtEl>
-                                          <p:spTgt spid="7"/>
+                                          <p:spTgt spid="14"/>
                                         </p:tgtEl>
                                       </p:cBhvr>
                                     </p:animEffect>
                                   </p:childTnLst>
                                 </p:cTn>
                               </p:par>
-                            </p:childTnLst>
-                          </p:cTn>
-                        </p:par>
-                      </p:childTnLst>
-                    </p:cTn>
-                  </p:par>
-                  <p:par>
-                    <p:cTn id="17" fill="hold">
-                      <p:stCondLst>
-                        <p:cond delay="indefinite"/>
-                      </p:stCondLst>
-                      <p:childTnLst>
-                        <p:par>
-                          <p:cTn id="18" fill="hold">
-                            <p:stCondLst>
-                              <p:cond delay="0"/>
-                            </p:stCondLst>
-                            <p:childTnLst>
                               <p:par>
-                                <p:cTn id="19" presetID="3" presetClass="entr" presetSubtype="10" fill="hold" nodeType="clickEffect">
+                                <p:cTn id="23" presetID="3" presetClass="entr" presetSubtype="10" fill="hold" grpId="0" nodeType="withEffect">
                                   <p:stCondLst>
                                     <p:cond delay="0"/>
                                   </p:stCondLst>
                                   <p:childTnLst>
                                     <p:set>
                                       <p:cBhvr>
-                                        <p:cTn id="20" dur="1" fill="hold">
+                                        <p:cTn id="24" dur="1" fill="hold">
                                           <p:stCondLst>
                                             <p:cond delay="0"/>
                                           </p:stCondLst>
                                         </p:cTn>
                                         <p:tgtEl>
-                                          <p:spTgt spid="10"/>
+                                          <p:spTgt spid="15"/>
                                         </p:tgtEl>
                                         <p:attrNameLst>
                                           <p:attrName>style.visibility</p:attrName>
@@ -17028,9 +16554,9 @@
                                     </p:set>
                                     <p:animEffect transition="in" filter="blinds(horizontal)">
                                       <p:cBhvr>
-                                        <p:cTn id="21" dur="500"/>
+                                        <p:cTn id="25" dur="500"/>
                                         <p:tgtEl>
-                                          <p:spTgt spid="10"/>
+                                          <p:spTgt spid="15"/>
                                         </p:tgtEl>
                                       </p:cBhvr>
                                     </p:animEffect>
@@ -17038,14 +16564,14 @@
                                 </p:cTn>
                               </p:par>
                               <p:par>
-                                <p:cTn id="22" presetID="3" presetClass="entr" presetSubtype="10" fill="hold" grpId="0" nodeType="withEffect">
+                                <p:cTn id="26" presetID="3" presetClass="entr" presetSubtype="10" fill="hold" grpId="0" nodeType="withEffect">
                                   <p:stCondLst>
                                     <p:cond delay="0"/>
                                   </p:stCondLst>
                                   <p:childTnLst>
                                     <p:set>
                                       <p:cBhvr>
-                                        <p:cTn id="23" dur="1" fill="hold">
+                                        <p:cTn id="27" dur="1" fill="hold">
                                           <p:stCondLst>
                                             <p:cond delay="0"/>
                                           </p:stCondLst>
@@ -17063,7 +16589,7 @@
                                     </p:set>
                                     <p:animEffect transition="in" filter="blinds(horizontal)">
                                       <p:cBhvr>
-                                        <p:cTn id="24" dur="500"/>
+                                        <p:cTn id="28" dur="500"/>
                                         <p:tgtEl>
                                           <p:spTgt spid="16"/>
                                         </p:tgtEl>
@@ -17073,102 +16599,14 @@
                                 </p:cTn>
                               </p:par>
                               <p:par>
-                                <p:cTn id="25" presetID="3" presetClass="entr" presetSubtype="10" fill="hold" grpId="0" nodeType="withEffect">
+                                <p:cTn id="29" presetID="3" presetClass="entr" presetSubtype="10" fill="hold" nodeType="withEffect">
                                   <p:stCondLst>
                                     <p:cond delay="0"/>
                                   </p:stCondLst>
                                   <p:childTnLst>
                                     <p:set>
                                       <p:cBhvr>
-                                        <p:cTn id="26" dur="1" fill="hold">
-                                          <p:stCondLst>
-                                            <p:cond delay="0"/>
-                                          </p:stCondLst>
-                                        </p:cTn>
-                                        <p:tgtEl>
-                                          <p:spTgt spid="15"/>
-                                        </p:tgtEl>
-                                        <p:attrNameLst>
-                                          <p:attrName>style.visibility</p:attrName>
-                                        </p:attrNameLst>
-                                      </p:cBhvr>
-                                      <p:to>
-                                        <p:strVal val="visible"/>
-                                      </p:to>
-                                    </p:set>
-                                    <p:animEffect transition="in" filter="blinds(horizontal)">
-                                      <p:cBhvr>
-                                        <p:cTn id="27" dur="500"/>
-                                        <p:tgtEl>
-                                          <p:spTgt spid="15"/>
-                                        </p:tgtEl>
-                                      </p:cBhvr>
-                                    </p:animEffect>
-                                  </p:childTnLst>
-                                </p:cTn>
-                              </p:par>
-                              <p:par>
-                                <p:cTn id="28" presetID="3" presetClass="entr" presetSubtype="10" fill="hold" grpId="0" nodeType="withEffect">
-                                  <p:stCondLst>
-                                    <p:cond delay="0"/>
-                                  </p:stCondLst>
-                                  <p:childTnLst>
-                                    <p:set>
-                                      <p:cBhvr>
-                                        <p:cTn id="29" dur="1" fill="hold">
-                                          <p:stCondLst>
-                                            <p:cond delay="0"/>
-                                          </p:stCondLst>
-                                        </p:cTn>
-                                        <p:tgtEl>
-                                          <p:spTgt spid="8"/>
-                                        </p:tgtEl>
-                                        <p:attrNameLst>
-                                          <p:attrName>style.visibility</p:attrName>
-                                        </p:attrNameLst>
-                                      </p:cBhvr>
-                                      <p:to>
-                                        <p:strVal val="visible"/>
-                                      </p:to>
-                                    </p:set>
-                                    <p:animEffect transition="in" filter="blinds(horizontal)">
-                                      <p:cBhvr>
-                                        <p:cTn id="30" dur="500"/>
-                                        <p:tgtEl>
-                                          <p:spTgt spid="8"/>
-                                        </p:tgtEl>
-                                      </p:cBhvr>
-                                    </p:animEffect>
-                                  </p:childTnLst>
-                                </p:cTn>
-                              </p:par>
-                            </p:childTnLst>
-                          </p:cTn>
-                        </p:par>
-                      </p:childTnLst>
-                    </p:cTn>
-                  </p:par>
-                  <p:par>
-                    <p:cTn id="31" fill="hold">
-                      <p:stCondLst>
-                        <p:cond delay="indefinite"/>
-                      </p:stCondLst>
-                      <p:childTnLst>
-                        <p:par>
-                          <p:cTn id="32" fill="hold">
-                            <p:stCondLst>
-                              <p:cond delay="0"/>
-                            </p:stCondLst>
-                            <p:childTnLst>
-                              <p:par>
-                                <p:cTn id="33" presetID="3" presetClass="entr" presetSubtype="10" fill="hold" nodeType="clickEffect">
-                                  <p:stCondLst>
-                                    <p:cond delay="0"/>
-                                  </p:stCondLst>
-                                  <p:childTnLst>
-                                    <p:set>
-                                      <p:cBhvr>
-                                        <p:cTn id="34" dur="1" fill="hold">
+                                        <p:cTn id="30" dur="1" fill="hold">
                                           <p:stCondLst>
                                             <p:cond delay="0"/>
                                           </p:stCondLst>
@@ -17186,9 +16624,44 @@
                                     </p:set>
                                     <p:animEffect transition="in" filter="blinds(horizontal)">
                                       <p:cBhvr>
-                                        <p:cTn id="35" dur="500"/>
+                                        <p:cTn id="31" dur="500"/>
                                         <p:tgtEl>
                                           <p:spTgt spid="17"/>
+                                        </p:tgtEl>
+                                      </p:cBhvr>
+                                    </p:animEffect>
+                                  </p:childTnLst>
+                                </p:cTn>
+                              </p:par>
+                              <p:par>
+                                <p:cTn id="32" presetID="3" presetClass="entr" presetSubtype="10" fill="hold" grpId="0" nodeType="withEffect">
+                                  <p:stCondLst>
+                                    <p:cond delay="0"/>
+                                  </p:stCondLst>
+                                  <p:childTnLst>
+                                    <p:set>
+                                      <p:cBhvr>
+                                        <p:cTn id="33" dur="1" fill="hold">
+                                          <p:stCondLst>
+                                            <p:cond delay="0"/>
+                                          </p:stCondLst>
+                                        </p:cTn>
+                                        <p:tgtEl>
+                                          <p:spTgt spid="18"/>
+                                        </p:tgtEl>
+                                        <p:attrNameLst>
+                                          <p:attrName>style.visibility</p:attrName>
+                                        </p:attrNameLst>
+                                      </p:cBhvr>
+                                      <p:to>
+                                        <p:strVal val="visible"/>
+                                      </p:to>
+                                    </p:set>
+                                    <p:animEffect transition="in" filter="blinds(horizontal)">
+                                      <p:cBhvr>
+                                        <p:cTn id="34" dur="500"/>
+                                        <p:tgtEl>
+                                          <p:spTgt spid="18"/>
                                         </p:tgtEl>
                                       </p:cBhvr>
                                     </p:animEffect>
@@ -17223,12 +16696,20 @@
       </p:par>
     </p:tnLst>
     <p:bldLst>
+      <p:bldP spid="7" grpId="0" animBg="1"/>
+      <p:bldP spid="8" grpId="0" animBg="1"/>
+      <p:bldP spid="11" grpId="0" animBg="1"/>
       <p:bldP spid="14" grpId="0"/>
-      <p:bldP spid="11" grpId="0" animBg="1"/>
-      <p:bldP spid="7" grpId="0" animBg="1"/>
+      <p:bldP spid="15" grpId="0" animBg="1"/>
       <p:bldP spid="16" grpId="0"/>
-      <p:bldP spid="15" grpId="0" animBg="1"/>
-      <p:bldP spid="8" grpId="0" animBg="1"/>
+      <p:bldP spid="18" grpId="0"/>
+      <p:bldP spid="7" grpId="1" animBg="1"/>
+      <p:bldP spid="8" grpId="1" animBg="1"/>
+      <p:bldP spid="11" grpId="1" animBg="1"/>
+      <p:bldP spid="14" grpId="1"/>
+      <p:bldP spid="15" grpId="1" animBg="1"/>
+      <p:bldP spid="16" grpId="1"/>
+      <p:bldP spid="18" grpId="1"/>
     </p:bldLst>
   </p:timing>
 </p:sld>

--- a/Slides/Ziyang Wei/Detecting Backdoor Attacks via Similarity in Semantic Communication Systems.pptx
+++ b/Slides/Ziyang Wei/Detecting Backdoor Attacks via Similarity in Semantic Communication Systems.pptx
@@ -9852,7 +9852,7 @@
         </p:nvSpPr>
         <p:spPr>
           <a:xfrm>
-            <a:off x="5929167" y="5363205"/>
+            <a:off x="5929167" y="4927595"/>
             <a:ext cx="6152405" cy="519650"/>
           </a:xfrm>
           <a:prstGeom prst="ellipse">
@@ -9908,8 +9908,8 @@
         </p:nvCxnSpPr>
         <p:spPr>
           <a:xfrm flipH="1">
-            <a:off x="4740467" y="5622756"/>
-            <a:ext cx="1188720" cy="635"/>
+            <a:off x="4796347" y="5187146"/>
+            <a:ext cx="1132840" cy="0"/>
           </a:xfrm>
           <a:prstGeom prst="straightConnector1">
             <a:avLst/>
@@ -9948,7 +9948,7 @@
         </p:nvSpPr>
         <p:spPr>
           <a:xfrm>
-            <a:off x="1186214" y="5295815"/>
+            <a:off x="1242094" y="4859570"/>
             <a:ext cx="3554153" cy="654375"/>
           </a:xfrm>
           <a:prstGeom prst="rect">
@@ -10205,8 +10205,8 @@
       </p:par>
     </p:tnLst>
     <p:bldLst>
-      <p:bldP spid="7" grpId="0" animBg="1"/>
-      <p:bldP spid="4" grpId="0" animBg="1"/>
+      <p:bldP spid="7" grpId="0" bldLvl="0" animBg="1"/>
+      <p:bldP spid="4" grpId="0" bldLvl="0" animBg="1"/>
     </p:bldLst>
   </p:timing>
 </p:sld>
@@ -11049,7 +11049,7 @@
                 <a:latin typeface="微软雅黑" panose="020B0503020204020204" charset="-122"/>
                 <a:ea typeface="微软雅黑" panose="020B0503020204020204" charset="-122"/>
               </a:rPr>
-              <a:t>Develop defense strategies without model modification</a:t>
+              <a:t>Develop defense strategies without model modification &amp; format requirement</a:t>
             </a:r>
             <a:r>
               <a:rPr lang="en-US" altLang="zh-CN">
@@ -15916,7 +15916,7 @@
                   <a:srgbClr val="000000"/>
                 </a:solidFill>
               </a:rPr>
-              <a:t>Visual Information</a:t>
+              <a:t>Image Information</a:t>
             </a:r>
             <a:endParaRPr lang="zh-CN" altLang="en-US">
               <a:solidFill>
@@ -16181,7 +16181,7 @@
             <a:pPr algn="ctr"/>
             <a:r>
               <a:rPr lang="en-US" altLang="zh-CN"/>
-              <a:t>Text </a:t>
+              <a:t>Image </a:t>
             </a:r>
             <a:r>
               <a:rPr lang="en-US" altLang="zh-CN">
@@ -16354,7 +16354,7 @@
                                 </p:cTn>
                               </p:par>
                               <p:par>
-                                <p:cTn id="8" presetID="3" presetClass="entr" presetSubtype="10" fill="hold" grpId="0" nodeType="withEffect">
+                                <p:cTn id="8" presetID="3" presetClass="entr" presetSubtype="10" fill="hold" nodeType="withEffect">
                                   <p:stCondLst>
                                     <p:cond delay="0"/>
                                   </p:stCondLst>
@@ -16362,6 +16362,129 @@
                                     <p:set>
                                       <p:cBhvr>
                                         <p:cTn id="9" dur="1" fill="hold">
+                                          <p:stCondLst>
+                                            <p:cond delay="0"/>
+                                          </p:stCondLst>
+                                        </p:cTn>
+                                        <p:tgtEl>
+                                          <p:spTgt spid="9"/>
+                                        </p:tgtEl>
+                                        <p:attrNameLst>
+                                          <p:attrName>style.visibility</p:attrName>
+                                        </p:attrNameLst>
+                                      </p:cBhvr>
+                                      <p:to>
+                                        <p:strVal val="visible"/>
+                                      </p:to>
+                                    </p:set>
+                                    <p:animEffect transition="in" filter="blinds(horizontal)">
+                                      <p:cBhvr>
+                                        <p:cTn id="10" dur="500"/>
+                                        <p:tgtEl>
+                                          <p:spTgt spid="9"/>
+                                        </p:tgtEl>
+                                      </p:cBhvr>
+                                    </p:animEffect>
+                                  </p:childTnLst>
+                                </p:cTn>
+                              </p:par>
+                              <p:par>
+                                <p:cTn id="11" presetID="3" presetClass="entr" presetSubtype="10" fill="hold" grpId="0" nodeType="withEffect">
+                                  <p:stCondLst>
+                                    <p:cond delay="0"/>
+                                  </p:stCondLst>
+                                  <p:childTnLst>
+                                    <p:set>
+                                      <p:cBhvr>
+                                        <p:cTn id="12" dur="1" fill="hold">
+                                          <p:stCondLst>
+                                            <p:cond delay="0"/>
+                                          </p:stCondLst>
+                                        </p:cTn>
+                                        <p:tgtEl>
+                                          <p:spTgt spid="11"/>
+                                        </p:tgtEl>
+                                        <p:attrNameLst>
+                                          <p:attrName>style.visibility</p:attrName>
+                                        </p:attrNameLst>
+                                      </p:cBhvr>
+                                      <p:to>
+                                        <p:strVal val="visible"/>
+                                      </p:to>
+                                    </p:set>
+                                    <p:animEffect transition="in" filter="blinds(horizontal)">
+                                      <p:cBhvr>
+                                        <p:cTn id="13" dur="500"/>
+                                        <p:tgtEl>
+                                          <p:spTgt spid="11"/>
+                                        </p:tgtEl>
+                                      </p:cBhvr>
+                                    </p:animEffect>
+                                  </p:childTnLst>
+                                </p:cTn>
+                              </p:par>
+                              <p:par>
+                                <p:cTn id="14" presetID="3" presetClass="entr" presetSubtype="10" fill="hold" grpId="0" nodeType="withEffect">
+                                  <p:stCondLst>
+                                    <p:cond delay="0"/>
+                                  </p:stCondLst>
+                                  <p:childTnLst>
+                                    <p:set>
+                                      <p:cBhvr>
+                                        <p:cTn id="15" dur="1" fill="hold">
+                                          <p:stCondLst>
+                                            <p:cond delay="0"/>
+                                          </p:stCondLst>
+                                        </p:cTn>
+                                        <p:tgtEl>
+                                          <p:spTgt spid="14"/>
+                                        </p:tgtEl>
+                                        <p:attrNameLst>
+                                          <p:attrName>style.visibility</p:attrName>
+                                        </p:attrNameLst>
+                                      </p:cBhvr>
+                                      <p:to>
+                                        <p:strVal val="visible"/>
+                                      </p:to>
+                                    </p:set>
+                                    <p:animEffect transition="in" filter="blinds(horizontal)">
+                                      <p:cBhvr>
+                                        <p:cTn id="16" dur="500"/>
+                                        <p:tgtEl>
+                                          <p:spTgt spid="14"/>
+                                        </p:tgtEl>
+                                      </p:cBhvr>
+                                    </p:animEffect>
+                                  </p:childTnLst>
+                                </p:cTn>
+                              </p:par>
+                            </p:childTnLst>
+                          </p:cTn>
+                        </p:par>
+                      </p:childTnLst>
+                    </p:cTn>
+                  </p:par>
+                  <p:par>
+                    <p:cTn id="17" fill="hold">
+                      <p:stCondLst>
+                        <p:cond delay="indefinite"/>
+                      </p:stCondLst>
+                      <p:childTnLst>
+                        <p:par>
+                          <p:cTn id="18" fill="hold">
+                            <p:stCondLst>
+                              <p:cond delay="0"/>
+                            </p:stCondLst>
+                            <p:childTnLst>
+                              <p:par>
+                                <p:cTn id="19" presetID="3" presetClass="entr" presetSubtype="10" fill="hold" grpId="0" nodeType="clickEffect">
+                                  <p:stCondLst>
+                                    <p:cond delay="0"/>
+                                  </p:stCondLst>
+                                  <p:childTnLst>
+                                    <p:set>
+                                      <p:cBhvr>
+                                        <p:cTn id="20" dur="1" fill="hold">
                                           <p:stCondLst>
                                             <p:cond delay="0"/>
                                           </p:stCondLst>
@@ -16379,7 +16502,7 @@
                                     </p:set>
                                     <p:animEffect transition="in" filter="blinds(horizontal)">
                                       <p:cBhvr>
-                                        <p:cTn id="10" dur="500"/>
+                                        <p:cTn id="21" dur="500"/>
                                         <p:tgtEl>
                                           <p:spTgt spid="8"/>
                                         </p:tgtEl>
@@ -16389,49 +16512,14 @@
                                 </p:cTn>
                               </p:par>
                               <p:par>
-                                <p:cTn id="11" presetID="3" presetClass="entr" presetSubtype="10" fill="hold" nodeType="withEffect">
+                                <p:cTn id="22" presetID="3" presetClass="entr" presetSubtype="10" fill="hold" nodeType="withEffect">
                                   <p:stCondLst>
                                     <p:cond delay="0"/>
                                   </p:stCondLst>
                                   <p:childTnLst>
                                     <p:set>
                                       <p:cBhvr>
-                                        <p:cTn id="12" dur="1" fill="hold">
-                                          <p:stCondLst>
-                                            <p:cond delay="0"/>
-                                          </p:stCondLst>
-                                        </p:cTn>
-                                        <p:tgtEl>
-                                          <p:spTgt spid="9"/>
-                                        </p:tgtEl>
-                                        <p:attrNameLst>
-                                          <p:attrName>style.visibility</p:attrName>
-                                        </p:attrNameLst>
-                                      </p:cBhvr>
-                                      <p:to>
-                                        <p:strVal val="visible"/>
-                                      </p:to>
-                                    </p:set>
-                                    <p:animEffect transition="in" filter="blinds(horizontal)">
-                                      <p:cBhvr>
-                                        <p:cTn id="13" dur="500"/>
-                                        <p:tgtEl>
-                                          <p:spTgt spid="9"/>
-                                        </p:tgtEl>
-                                      </p:cBhvr>
-                                    </p:animEffect>
-                                  </p:childTnLst>
-                                </p:cTn>
-                              </p:par>
-                              <p:par>
-                                <p:cTn id="14" presetID="3" presetClass="entr" presetSubtype="10" fill="hold" nodeType="withEffect">
-                                  <p:stCondLst>
-                                    <p:cond delay="0"/>
-                                  </p:stCondLst>
-                                  <p:childTnLst>
-                                    <p:set>
-                                      <p:cBhvr>
-                                        <p:cTn id="15" dur="1" fill="hold">
+                                        <p:cTn id="23" dur="1" fill="hold">
                                           <p:stCondLst>
                                             <p:cond delay="0"/>
                                           </p:stCondLst>
@@ -16449,7 +16537,7 @@
                                     </p:set>
                                     <p:animEffect transition="in" filter="blinds(horizontal)">
                                       <p:cBhvr>
-                                        <p:cTn id="16" dur="500"/>
+                                        <p:cTn id="24" dur="500"/>
                                         <p:tgtEl>
                                           <p:spTgt spid="10"/>
                                         </p:tgtEl>
@@ -16459,84 +16547,14 @@
                                 </p:cTn>
                               </p:par>
                               <p:par>
-                                <p:cTn id="17" presetID="3" presetClass="entr" presetSubtype="10" fill="hold" grpId="0" nodeType="withEffect">
+                                <p:cTn id="25" presetID="3" presetClass="entr" presetSubtype="10" fill="hold" grpId="0" nodeType="withEffect">
                                   <p:stCondLst>
                                     <p:cond delay="0"/>
                                   </p:stCondLst>
                                   <p:childTnLst>
                                     <p:set>
                                       <p:cBhvr>
-                                        <p:cTn id="18" dur="1" fill="hold">
-                                          <p:stCondLst>
-                                            <p:cond delay="0"/>
-                                          </p:stCondLst>
-                                        </p:cTn>
-                                        <p:tgtEl>
-                                          <p:spTgt spid="11"/>
-                                        </p:tgtEl>
-                                        <p:attrNameLst>
-                                          <p:attrName>style.visibility</p:attrName>
-                                        </p:attrNameLst>
-                                      </p:cBhvr>
-                                      <p:to>
-                                        <p:strVal val="visible"/>
-                                      </p:to>
-                                    </p:set>
-                                    <p:animEffect transition="in" filter="blinds(horizontal)">
-                                      <p:cBhvr>
-                                        <p:cTn id="19" dur="500"/>
-                                        <p:tgtEl>
-                                          <p:spTgt spid="11"/>
-                                        </p:tgtEl>
-                                      </p:cBhvr>
-                                    </p:animEffect>
-                                  </p:childTnLst>
-                                </p:cTn>
-                              </p:par>
-                              <p:par>
-                                <p:cTn id="20" presetID="3" presetClass="entr" presetSubtype="10" fill="hold" grpId="0" nodeType="withEffect">
-                                  <p:stCondLst>
-                                    <p:cond delay="0"/>
-                                  </p:stCondLst>
-                                  <p:childTnLst>
-                                    <p:set>
-                                      <p:cBhvr>
-                                        <p:cTn id="21" dur="1" fill="hold">
-                                          <p:stCondLst>
-                                            <p:cond delay="0"/>
-                                          </p:stCondLst>
-                                        </p:cTn>
-                                        <p:tgtEl>
-                                          <p:spTgt spid="14"/>
-                                        </p:tgtEl>
-                                        <p:attrNameLst>
-                                          <p:attrName>style.visibility</p:attrName>
-                                        </p:attrNameLst>
-                                      </p:cBhvr>
-                                      <p:to>
-                                        <p:strVal val="visible"/>
-                                      </p:to>
-                                    </p:set>
-                                    <p:animEffect transition="in" filter="blinds(horizontal)">
-                                      <p:cBhvr>
-                                        <p:cTn id="22" dur="500"/>
-                                        <p:tgtEl>
-                                          <p:spTgt spid="14"/>
-                                        </p:tgtEl>
-                                      </p:cBhvr>
-                                    </p:animEffect>
-                                  </p:childTnLst>
-                                </p:cTn>
-                              </p:par>
-                              <p:par>
-                                <p:cTn id="23" presetID="3" presetClass="entr" presetSubtype="10" fill="hold" grpId="0" nodeType="withEffect">
-                                  <p:stCondLst>
-                                    <p:cond delay="0"/>
-                                  </p:stCondLst>
-                                  <p:childTnLst>
-                                    <p:set>
-                                      <p:cBhvr>
-                                        <p:cTn id="24" dur="1" fill="hold">
+                                        <p:cTn id="26" dur="1" fill="hold">
                                           <p:stCondLst>
                                             <p:cond delay="0"/>
                                           </p:stCondLst>
@@ -16554,7 +16572,7 @@
                                     </p:set>
                                     <p:animEffect transition="in" filter="blinds(horizontal)">
                                       <p:cBhvr>
-                                        <p:cTn id="25" dur="500"/>
+                                        <p:cTn id="27" dur="500"/>
                                         <p:tgtEl>
                                           <p:spTgt spid="15"/>
                                         </p:tgtEl>
@@ -16564,14 +16582,14 @@
                                 </p:cTn>
                               </p:par>
                               <p:par>
-                                <p:cTn id="26" presetID="3" presetClass="entr" presetSubtype="10" fill="hold" grpId="0" nodeType="withEffect">
+                                <p:cTn id="28" presetID="3" presetClass="entr" presetSubtype="10" fill="hold" grpId="0" nodeType="withEffect">
                                   <p:stCondLst>
                                     <p:cond delay="0"/>
                                   </p:stCondLst>
                                   <p:childTnLst>
                                     <p:set>
                                       <p:cBhvr>
-                                        <p:cTn id="27" dur="1" fill="hold">
+                                        <p:cTn id="29" dur="1" fill="hold">
                                           <p:stCondLst>
                                             <p:cond delay="0"/>
                                           </p:stCondLst>
@@ -16589,7 +16607,7 @@
                                     </p:set>
                                     <p:animEffect transition="in" filter="blinds(horizontal)">
                                       <p:cBhvr>
-                                        <p:cTn id="28" dur="500"/>
+                                        <p:cTn id="30" dur="500"/>
                                         <p:tgtEl>
                                           <p:spTgt spid="16"/>
                                         </p:tgtEl>
@@ -16598,15 +16616,33 @@
                                   </p:childTnLst>
                                 </p:cTn>
                               </p:par>
+                            </p:childTnLst>
+                          </p:cTn>
+                        </p:par>
+                      </p:childTnLst>
+                    </p:cTn>
+                  </p:par>
+                  <p:par>
+                    <p:cTn id="31" fill="hold">
+                      <p:stCondLst>
+                        <p:cond delay="indefinite"/>
+                      </p:stCondLst>
+                      <p:childTnLst>
+                        <p:par>
+                          <p:cTn id="32" fill="hold">
+                            <p:stCondLst>
+                              <p:cond delay="0"/>
+                            </p:stCondLst>
+                            <p:childTnLst>
                               <p:par>
-                                <p:cTn id="29" presetID="3" presetClass="entr" presetSubtype="10" fill="hold" nodeType="withEffect">
+                                <p:cTn id="33" presetID="3" presetClass="entr" presetSubtype="10" fill="hold" nodeType="clickEffect">
                                   <p:stCondLst>
                                     <p:cond delay="0"/>
                                   </p:stCondLst>
                                   <p:childTnLst>
                                     <p:set>
                                       <p:cBhvr>
-                                        <p:cTn id="30" dur="1" fill="hold">
+                                        <p:cTn id="34" dur="1" fill="hold">
                                           <p:stCondLst>
                                             <p:cond delay="0"/>
                                           </p:stCondLst>
@@ -16624,7 +16660,7 @@
                                     </p:set>
                                     <p:animEffect transition="in" filter="blinds(horizontal)">
                                       <p:cBhvr>
-                                        <p:cTn id="31" dur="500"/>
+                                        <p:cTn id="35" dur="500"/>
                                         <p:tgtEl>
                                           <p:spTgt spid="17"/>
                                         </p:tgtEl>
@@ -16634,14 +16670,14 @@
                                 </p:cTn>
                               </p:par>
                               <p:par>
-                                <p:cTn id="32" presetID="3" presetClass="entr" presetSubtype="10" fill="hold" grpId="0" nodeType="withEffect">
+                                <p:cTn id="36" presetID="3" presetClass="entr" presetSubtype="10" fill="hold" grpId="0" nodeType="withEffect">
                                   <p:stCondLst>
                                     <p:cond delay="0"/>
                                   </p:stCondLst>
                                   <p:childTnLst>
                                     <p:set>
                                       <p:cBhvr>
-                                        <p:cTn id="33" dur="1" fill="hold">
+                                        <p:cTn id="37" dur="1" fill="hold">
                                           <p:stCondLst>
                                             <p:cond delay="0"/>
                                           </p:stCondLst>
@@ -16659,7 +16695,7 @@
                                     </p:set>
                                     <p:animEffect transition="in" filter="blinds(horizontal)">
                                       <p:cBhvr>
-                                        <p:cTn id="34" dur="500"/>
+                                        <p:cTn id="38" dur="500"/>
                                         <p:tgtEl>
                                           <p:spTgt spid="18"/>
                                         </p:tgtEl>
@@ -16697,18 +16733,18 @@
     </p:tnLst>
     <p:bldLst>
       <p:bldP spid="7" grpId="0" animBg="1"/>
-      <p:bldP spid="8" grpId="0" animBg="1"/>
       <p:bldP spid="11" grpId="0" animBg="1"/>
       <p:bldP spid="14" grpId="0"/>
+      <p:bldP spid="7" grpId="1" animBg="1"/>
+      <p:bldP spid="11" grpId="1" animBg="1"/>
+      <p:bldP spid="14" grpId="1"/>
+      <p:bldP spid="8" grpId="0" animBg="1"/>
       <p:bldP spid="15" grpId="0" animBg="1"/>
       <p:bldP spid="16" grpId="0"/>
-      <p:bldP spid="18" grpId="0"/>
-      <p:bldP spid="7" grpId="1" animBg="1"/>
       <p:bldP spid="8" grpId="1" animBg="1"/>
-      <p:bldP spid="11" grpId="1" animBg="1"/>
-      <p:bldP spid="14" grpId="1"/>
       <p:bldP spid="15" grpId="1" animBg="1"/>
       <p:bldP spid="16" grpId="1"/>
+      <p:bldP spid="18" grpId="0"/>
       <p:bldP spid="18" grpId="1"/>
     </p:bldLst>
   </p:timing>
